--- a/Doc/搬运工平台.pptx
+++ b/Doc/搬运工平台.pptx
@@ -16,8 +16,9 @@
     <p:sldId id="261" r:id="rId10"/>
     <p:sldId id="262" r:id="rId11"/>
     <p:sldId id="267" r:id="rId12"/>
-    <p:sldId id="268" r:id="rId13"/>
-    <p:sldId id="264" r:id="rId14"/>
+    <p:sldId id="269" r:id="rId13"/>
+    <p:sldId id="268" r:id="rId14"/>
+    <p:sldId id="264" r:id="rId15"/>
   </p:sldIdLst>
   <p:sldSz cx="12192000" cy="6858000"/>
   <p:notesSz cx="6858000" cy="9144000"/>
@@ -174,7 +175,7 @@
           <a:noFill/>
           <a:extLst>
             <a:ext uri="{909E8E84-426E-40dd-AFC4-6F175D3DCCD1}">
-              <a14:hiddenFill xmlns:a14="http://schemas.microsoft.com/office/drawing/2010/main" xmlns="">
+              <a14:hiddenFill xmlns="" xmlns:a14="http://schemas.microsoft.com/office/drawing/2010/main">
                 <a:solidFill>
                   <a:srgbClr val="FFFFFF"/>
                 </a:solidFill>
@@ -234,7 +235,7 @@
             </a:ln>
             <a:extLst>
               <a:ext uri="{91240B29-F687-4f45-9708-019B960494DF}">
-                <a14:hiddenLine xmlns:a14="http://schemas.microsoft.com/office/drawing/2010/main" xmlns="" w="9525">
+                <a14:hiddenLine xmlns="" xmlns:a14="http://schemas.microsoft.com/office/drawing/2010/main" w="9525">
                   <a:solidFill>
                     <a:srgbClr val="000000"/>
                   </a:solidFill>
@@ -324,7 +325,7 @@
             </a:ln>
             <a:extLst>
               <a:ext uri="{91240B29-F687-4f45-9708-019B960494DF}">
-                <a14:hiddenLine xmlns:a14="http://schemas.microsoft.com/office/drawing/2010/main" xmlns="" w="9525">
+                <a14:hiddenLine xmlns="" xmlns:a14="http://schemas.microsoft.com/office/drawing/2010/main" w="9525">
                   <a:solidFill>
                     <a:srgbClr val="000000"/>
                   </a:solidFill>
@@ -414,7 +415,7 @@
             </a:ln>
             <a:extLst>
               <a:ext uri="{91240B29-F687-4f45-9708-019B960494DF}">
-                <a14:hiddenLine xmlns:a14="http://schemas.microsoft.com/office/drawing/2010/main" xmlns="" w="9525">
+                <a14:hiddenLine xmlns="" xmlns:a14="http://schemas.microsoft.com/office/drawing/2010/main" w="9525">
                   <a:solidFill>
                     <a:srgbClr val="000000"/>
                   </a:solidFill>
@@ -448,7 +449,7 @@
             </a:ln>
             <a:extLst>
               <a:ext uri="{91240B29-F687-4f45-9708-019B960494DF}">
-                <a14:hiddenLine xmlns:a14="http://schemas.microsoft.com/office/drawing/2010/main" xmlns="" w="9525">
+                <a14:hiddenLine xmlns="" xmlns:a14="http://schemas.microsoft.com/office/drawing/2010/main" w="9525">
                   <a:solidFill>
                     <a:srgbClr val="000000"/>
                   </a:solidFill>
@@ -538,7 +539,7 @@
             </a:ln>
             <a:extLst>
               <a:ext uri="{91240B29-F687-4f45-9708-019B960494DF}">
-                <a14:hiddenLine xmlns:a14="http://schemas.microsoft.com/office/drawing/2010/main" xmlns="" w="9525">
+                <a14:hiddenLine xmlns="" xmlns:a14="http://schemas.microsoft.com/office/drawing/2010/main" w="9525">
                   <a:solidFill>
                     <a:srgbClr val="000000"/>
                   </a:solidFill>
@@ -600,7 +601,7 @@
             </a:ln>
             <a:extLst>
               <a:ext uri="{91240B29-F687-4f45-9708-019B960494DF}">
-                <a14:hiddenLine xmlns:a14="http://schemas.microsoft.com/office/drawing/2010/main" xmlns="" w="9525">
+                <a14:hiddenLine xmlns="" xmlns:a14="http://schemas.microsoft.com/office/drawing/2010/main" w="9525">
                   <a:solidFill>
                     <a:srgbClr val="000000"/>
                   </a:solidFill>
@@ -662,7 +663,7 @@
             </a:ln>
             <a:extLst>
               <a:ext uri="{91240B29-F687-4f45-9708-019B960494DF}">
-                <a14:hiddenLine xmlns:a14="http://schemas.microsoft.com/office/drawing/2010/main" xmlns="" w="9525">
+                <a14:hiddenLine xmlns="" xmlns:a14="http://schemas.microsoft.com/office/drawing/2010/main" w="9525">
                   <a:solidFill>
                     <a:srgbClr val="000000"/>
                   </a:solidFill>
@@ -752,7 +753,7 @@
             </a:ln>
             <a:extLst>
               <a:ext uri="{91240B29-F687-4f45-9708-019B960494DF}">
-                <a14:hiddenLine xmlns:a14="http://schemas.microsoft.com/office/drawing/2010/main" xmlns="" w="9525">
+                <a14:hiddenLine xmlns="" xmlns:a14="http://schemas.microsoft.com/office/drawing/2010/main" w="9525">
                   <a:solidFill>
                     <a:srgbClr val="000000"/>
                   </a:solidFill>
@@ -814,7 +815,7 @@
             </a:ln>
             <a:extLst>
               <a:ext uri="{91240B29-F687-4f45-9708-019B960494DF}">
-                <a14:hiddenLine xmlns:a14="http://schemas.microsoft.com/office/drawing/2010/main" xmlns="" w="9525">
+                <a14:hiddenLine xmlns="" xmlns:a14="http://schemas.microsoft.com/office/drawing/2010/main" w="9525">
                   <a:solidFill>
                     <a:srgbClr val="000000"/>
                   </a:solidFill>
@@ -876,7 +877,7 @@
             </a:ln>
             <a:extLst>
               <a:ext uri="{91240B29-F687-4f45-9708-019B960494DF}">
-                <a14:hiddenLine xmlns:a14="http://schemas.microsoft.com/office/drawing/2010/main" xmlns="" w="9525">
+                <a14:hiddenLine xmlns="" xmlns:a14="http://schemas.microsoft.com/office/drawing/2010/main" w="9525">
                   <a:solidFill>
                     <a:srgbClr val="000000"/>
                   </a:solidFill>
@@ -966,7 +967,7 @@
             </a:ln>
             <a:extLst>
               <a:ext uri="{91240B29-F687-4f45-9708-019B960494DF}">
-                <a14:hiddenLine xmlns:a14="http://schemas.microsoft.com/office/drawing/2010/main" xmlns="" w="9525">
+                <a14:hiddenLine xmlns="" xmlns:a14="http://schemas.microsoft.com/office/drawing/2010/main" w="9525">
                   <a:solidFill>
                     <a:srgbClr val="000000"/>
                   </a:solidFill>
@@ -1056,7 +1057,7 @@
             </a:ln>
             <a:extLst>
               <a:ext uri="{91240B29-F687-4f45-9708-019B960494DF}">
-                <a14:hiddenLine xmlns:a14="http://schemas.microsoft.com/office/drawing/2010/main" xmlns="" w="9525">
+                <a14:hiddenLine xmlns="" xmlns:a14="http://schemas.microsoft.com/office/drawing/2010/main" w="9525">
                   <a:solidFill>
                     <a:srgbClr val="000000"/>
                   </a:solidFill>
@@ -1118,7 +1119,7 @@
             </a:ln>
             <a:extLst>
               <a:ext uri="{91240B29-F687-4f45-9708-019B960494DF}">
-                <a14:hiddenLine xmlns:a14="http://schemas.microsoft.com/office/drawing/2010/main" xmlns="" w="9525">
+                <a14:hiddenLine xmlns="" xmlns:a14="http://schemas.microsoft.com/office/drawing/2010/main" w="9525">
                   <a:solidFill>
                     <a:srgbClr val="000000"/>
                   </a:solidFill>
@@ -1228,7 +1229,7 @@
             </a:ln>
             <a:extLst>
               <a:ext uri="{91240B29-F687-4f45-9708-019B960494DF}">
-                <a14:hiddenLine xmlns:a14="http://schemas.microsoft.com/office/drawing/2010/main" xmlns="" w="9525">
+                <a14:hiddenLine xmlns="" xmlns:a14="http://schemas.microsoft.com/office/drawing/2010/main" w="9525">
                   <a:solidFill>
                     <a:srgbClr val="000000"/>
                   </a:solidFill>
@@ -1290,7 +1291,7 @@
             </a:ln>
             <a:extLst>
               <a:ext uri="{91240B29-F687-4f45-9708-019B960494DF}">
-                <a14:hiddenLine xmlns:a14="http://schemas.microsoft.com/office/drawing/2010/main" xmlns="" w="9525">
+                <a14:hiddenLine xmlns="" xmlns:a14="http://schemas.microsoft.com/office/drawing/2010/main" w="9525">
                   <a:solidFill>
                     <a:srgbClr val="000000"/>
                   </a:solidFill>
@@ -1380,7 +1381,7 @@
             </a:ln>
             <a:extLst>
               <a:ext uri="{91240B29-F687-4f45-9708-019B960494DF}">
-                <a14:hiddenLine xmlns:a14="http://schemas.microsoft.com/office/drawing/2010/main" xmlns="" w="9525">
+                <a14:hiddenLine xmlns="" xmlns:a14="http://schemas.microsoft.com/office/drawing/2010/main" w="9525">
                   <a:solidFill>
                     <a:srgbClr val="000000"/>
                   </a:solidFill>
@@ -1470,7 +1471,7 @@
             </a:ln>
             <a:extLst>
               <a:ext uri="{91240B29-F687-4f45-9708-019B960494DF}">
-                <a14:hiddenLine xmlns:a14="http://schemas.microsoft.com/office/drawing/2010/main" xmlns="" w="9525">
+                <a14:hiddenLine xmlns="" xmlns:a14="http://schemas.microsoft.com/office/drawing/2010/main" w="9525">
                   <a:solidFill>
                     <a:srgbClr val="000000"/>
                   </a:solidFill>
@@ -1532,7 +1533,7 @@
             </a:ln>
             <a:extLst>
               <a:ext uri="{91240B29-F687-4f45-9708-019B960494DF}">
-                <a14:hiddenLine xmlns:a14="http://schemas.microsoft.com/office/drawing/2010/main" xmlns="" w="9525">
+                <a14:hiddenLine xmlns="" xmlns:a14="http://schemas.microsoft.com/office/drawing/2010/main" w="9525">
                   <a:solidFill>
                     <a:srgbClr val="000000"/>
                   </a:solidFill>
@@ -1622,7 +1623,7 @@
             </a:ln>
             <a:extLst>
               <a:ext uri="{91240B29-F687-4f45-9708-019B960494DF}">
-                <a14:hiddenLine xmlns:a14="http://schemas.microsoft.com/office/drawing/2010/main" xmlns="" w="9525">
+                <a14:hiddenLine xmlns="" xmlns:a14="http://schemas.microsoft.com/office/drawing/2010/main" w="9525">
                   <a:solidFill>
                     <a:srgbClr val="000000"/>
                   </a:solidFill>
@@ -1712,7 +1713,7 @@
             </a:ln>
             <a:extLst>
               <a:ext uri="{91240B29-F687-4f45-9708-019B960494DF}">
-                <a14:hiddenLine xmlns:a14="http://schemas.microsoft.com/office/drawing/2010/main" xmlns="" w="9525">
+                <a14:hiddenLine xmlns="" xmlns:a14="http://schemas.microsoft.com/office/drawing/2010/main" w="9525">
                   <a:solidFill>
                     <a:srgbClr val="000000"/>
                   </a:solidFill>
@@ -1768,7 +1769,7 @@
             </a:ln>
             <a:extLst>
               <a:ext uri="{91240B29-F687-4f45-9708-019B960494DF}">
-                <a14:hiddenLine xmlns:a14="http://schemas.microsoft.com/office/drawing/2010/main" xmlns="" w="9525">
+                <a14:hiddenLine xmlns="" xmlns:a14="http://schemas.microsoft.com/office/drawing/2010/main" w="9525">
                   <a:solidFill>
                     <a:srgbClr val="000000"/>
                   </a:solidFill>
@@ -1858,7 +1859,7 @@
             </a:ln>
             <a:extLst>
               <a:ext uri="{91240B29-F687-4f45-9708-019B960494DF}">
-                <a14:hiddenLine xmlns:a14="http://schemas.microsoft.com/office/drawing/2010/main" xmlns="" w="9525">
+                <a14:hiddenLine xmlns="" xmlns:a14="http://schemas.microsoft.com/office/drawing/2010/main" w="9525">
                   <a:solidFill>
                     <a:srgbClr val="000000"/>
                   </a:solidFill>
@@ -1914,7 +1915,7 @@
             </a:ln>
             <a:extLst>
               <a:ext uri="{91240B29-F687-4f45-9708-019B960494DF}">
-                <a14:hiddenLine xmlns:a14="http://schemas.microsoft.com/office/drawing/2010/main" xmlns="" w="9525">
+                <a14:hiddenLine xmlns="" xmlns:a14="http://schemas.microsoft.com/office/drawing/2010/main" w="9525">
                   <a:solidFill>
                     <a:srgbClr val="000000"/>
                   </a:solidFill>
@@ -2004,7 +2005,7 @@
             </a:ln>
             <a:extLst>
               <a:ext uri="{91240B29-F687-4f45-9708-019B960494DF}">
-                <a14:hiddenLine xmlns:a14="http://schemas.microsoft.com/office/drawing/2010/main" xmlns="" w="9525">
+                <a14:hiddenLine xmlns="" xmlns:a14="http://schemas.microsoft.com/office/drawing/2010/main" w="9525">
                   <a:solidFill>
                     <a:srgbClr val="000000"/>
                   </a:solidFill>
@@ -2072,7 +2073,7 @@
             </a:ln>
             <a:extLst>
               <a:ext uri="{91240B29-F687-4f45-9708-019B960494DF}">
-                <a14:hiddenLine xmlns:a14="http://schemas.microsoft.com/office/drawing/2010/main" xmlns="" w="9525">
+                <a14:hiddenLine xmlns="" xmlns:a14="http://schemas.microsoft.com/office/drawing/2010/main" w="9525">
                   <a:solidFill>
                     <a:srgbClr val="000000"/>
                   </a:solidFill>
@@ -2162,7 +2163,7 @@
             </a:ln>
             <a:extLst>
               <a:ext uri="{91240B29-F687-4f45-9708-019B960494DF}">
-                <a14:hiddenLine xmlns:a14="http://schemas.microsoft.com/office/drawing/2010/main" xmlns="" w="9525">
+                <a14:hiddenLine xmlns="" xmlns:a14="http://schemas.microsoft.com/office/drawing/2010/main" w="9525">
                   <a:solidFill>
                     <a:srgbClr val="000000"/>
                   </a:solidFill>
@@ -2230,7 +2231,7 @@
             </a:ln>
             <a:extLst>
               <a:ext uri="{91240B29-F687-4f45-9708-019B960494DF}">
-                <a14:hiddenLine xmlns:a14="http://schemas.microsoft.com/office/drawing/2010/main" xmlns="" w="9525">
+                <a14:hiddenLine xmlns="" xmlns:a14="http://schemas.microsoft.com/office/drawing/2010/main" w="9525">
                   <a:solidFill>
                     <a:srgbClr val="000000"/>
                   </a:solidFill>
@@ -2320,7 +2321,7 @@
             </a:ln>
             <a:extLst>
               <a:ext uri="{91240B29-F687-4f45-9708-019B960494DF}">
-                <a14:hiddenLine xmlns:a14="http://schemas.microsoft.com/office/drawing/2010/main" xmlns="" w="9525">
+                <a14:hiddenLine xmlns="" xmlns:a14="http://schemas.microsoft.com/office/drawing/2010/main" w="9525">
                   <a:solidFill>
                     <a:srgbClr val="000000"/>
                   </a:solidFill>
@@ -2354,7 +2355,7 @@
             </a:ln>
             <a:extLst>
               <a:ext uri="{91240B29-F687-4f45-9708-019B960494DF}">
-                <a14:hiddenLine xmlns:a14="http://schemas.microsoft.com/office/drawing/2010/main" xmlns="" w="9525">
+                <a14:hiddenLine xmlns="" xmlns:a14="http://schemas.microsoft.com/office/drawing/2010/main" w="9525">
                   <a:solidFill>
                     <a:srgbClr val="000000"/>
                   </a:solidFill>
@@ -2444,7 +2445,7 @@
             </a:ln>
             <a:extLst>
               <a:ext uri="{91240B29-F687-4f45-9708-019B960494DF}">
-                <a14:hiddenLine xmlns:a14="http://schemas.microsoft.com/office/drawing/2010/main" xmlns="" w="9525">
+                <a14:hiddenLine xmlns="" xmlns:a14="http://schemas.microsoft.com/office/drawing/2010/main" w="9525">
                   <a:solidFill>
                     <a:srgbClr val="000000"/>
                   </a:solidFill>
@@ -2506,7 +2507,7 @@
             </a:ln>
             <a:extLst>
               <a:ext uri="{91240B29-F687-4f45-9708-019B960494DF}">
-                <a14:hiddenLine xmlns:a14="http://schemas.microsoft.com/office/drawing/2010/main" xmlns="" w="9525">
+                <a14:hiddenLine xmlns="" xmlns:a14="http://schemas.microsoft.com/office/drawing/2010/main" w="9525">
                   <a:solidFill>
                     <a:srgbClr val="000000"/>
                   </a:solidFill>
@@ -2568,7 +2569,7 @@
             </a:ln>
             <a:extLst>
               <a:ext uri="{91240B29-F687-4f45-9708-019B960494DF}">
-                <a14:hiddenLine xmlns:a14="http://schemas.microsoft.com/office/drawing/2010/main" xmlns="" w="9525">
+                <a14:hiddenLine xmlns="" xmlns:a14="http://schemas.microsoft.com/office/drawing/2010/main" w="9525">
                   <a:solidFill>
                     <a:srgbClr val="000000"/>
                   </a:solidFill>
@@ -2658,7 +2659,7 @@
             </a:ln>
             <a:extLst>
               <a:ext uri="{91240B29-F687-4f45-9708-019B960494DF}">
-                <a14:hiddenLine xmlns:a14="http://schemas.microsoft.com/office/drawing/2010/main" xmlns="" w="9525">
+                <a14:hiddenLine xmlns="" xmlns:a14="http://schemas.microsoft.com/office/drawing/2010/main" w="9525">
                   <a:solidFill>
                     <a:srgbClr val="000000"/>
                   </a:solidFill>
@@ -2726,7 +2727,7 @@
             </a:ln>
             <a:extLst>
               <a:ext uri="{91240B29-F687-4f45-9708-019B960494DF}">
-                <a14:hiddenLine xmlns:a14="http://schemas.microsoft.com/office/drawing/2010/main" xmlns="" w="9525">
+                <a14:hiddenLine xmlns="" xmlns:a14="http://schemas.microsoft.com/office/drawing/2010/main" w="9525">
                   <a:solidFill>
                     <a:srgbClr val="000000"/>
                   </a:solidFill>
@@ -2788,7 +2789,7 @@
             </a:ln>
             <a:extLst>
               <a:ext uri="{91240B29-F687-4f45-9708-019B960494DF}">
-                <a14:hiddenLine xmlns:a14="http://schemas.microsoft.com/office/drawing/2010/main" xmlns="" w="9525">
+                <a14:hiddenLine xmlns="" xmlns:a14="http://schemas.microsoft.com/office/drawing/2010/main" w="9525">
                   <a:solidFill>
                     <a:srgbClr val="000000"/>
                   </a:solidFill>
@@ -2878,7 +2879,7 @@
             </a:ln>
             <a:extLst>
               <a:ext uri="{91240B29-F687-4f45-9708-019B960494DF}">
-                <a14:hiddenLine xmlns:a14="http://schemas.microsoft.com/office/drawing/2010/main" xmlns="" w="9525">
+                <a14:hiddenLine xmlns="" xmlns:a14="http://schemas.microsoft.com/office/drawing/2010/main" w="9525">
                   <a:solidFill>
                     <a:srgbClr val="000000"/>
                   </a:solidFill>
@@ -2940,7 +2941,7 @@
             </a:ln>
             <a:extLst>
               <a:ext uri="{91240B29-F687-4f45-9708-019B960494DF}">
-                <a14:hiddenLine xmlns:a14="http://schemas.microsoft.com/office/drawing/2010/main" xmlns="" w="9525">
+                <a14:hiddenLine xmlns="" xmlns:a14="http://schemas.microsoft.com/office/drawing/2010/main" w="9525">
                   <a:solidFill>
                     <a:srgbClr val="000000"/>
                   </a:solidFill>
@@ -3030,7 +3031,7 @@
             </a:ln>
             <a:extLst>
               <a:ext uri="{91240B29-F687-4f45-9708-019B960494DF}">
-                <a14:hiddenLine xmlns:a14="http://schemas.microsoft.com/office/drawing/2010/main" xmlns="" w="9525">
+                <a14:hiddenLine xmlns="" xmlns:a14="http://schemas.microsoft.com/office/drawing/2010/main" w="9525">
                   <a:solidFill>
                     <a:srgbClr val="000000"/>
                   </a:solidFill>
@@ -3092,7 +3093,7 @@
             </a:ln>
             <a:extLst>
               <a:ext uri="{91240B29-F687-4f45-9708-019B960494DF}">
-                <a14:hiddenLine xmlns:a14="http://schemas.microsoft.com/office/drawing/2010/main" xmlns="" w="9525">
+                <a14:hiddenLine xmlns="" xmlns:a14="http://schemas.microsoft.com/office/drawing/2010/main" w="9525">
                   <a:solidFill>
                     <a:srgbClr val="000000"/>
                   </a:solidFill>
@@ -3182,7 +3183,7 @@
             </a:ln>
             <a:extLst>
               <a:ext uri="{91240B29-F687-4f45-9708-019B960494DF}">
-                <a14:hiddenLine xmlns:a14="http://schemas.microsoft.com/office/drawing/2010/main" xmlns="" w="9525">
+                <a14:hiddenLine xmlns="" xmlns:a14="http://schemas.microsoft.com/office/drawing/2010/main" w="9525">
                   <a:solidFill>
                     <a:srgbClr val="000000"/>
                   </a:solidFill>
@@ -3216,7 +3217,7 @@
             </a:ln>
             <a:extLst>
               <a:ext uri="{91240B29-F687-4f45-9708-019B960494DF}">
-                <a14:hiddenLine xmlns:a14="http://schemas.microsoft.com/office/drawing/2010/main" xmlns="" w="9525">
+                <a14:hiddenLine xmlns="" xmlns:a14="http://schemas.microsoft.com/office/drawing/2010/main" w="9525">
                   <a:solidFill>
                     <a:srgbClr val="000000"/>
                   </a:solidFill>
@@ -3281,7 +3282,7 @@
             </a:ln>
             <a:extLst>
               <a:ext uri="{91240B29-F687-4f45-9708-019B960494DF}">
-                <a14:hiddenLine xmlns:a14="http://schemas.microsoft.com/office/drawing/2010/main" xmlns="" w="9525">
+                <a14:hiddenLine xmlns="" xmlns:a14="http://schemas.microsoft.com/office/drawing/2010/main" w="9525">
                   <a:solidFill>
                     <a:srgbClr val="000000"/>
                   </a:solidFill>
@@ -3371,7 +3372,7 @@
             </a:ln>
             <a:extLst>
               <a:ext uri="{91240B29-F687-4f45-9708-019B960494DF}">
-                <a14:hiddenLine xmlns:a14="http://schemas.microsoft.com/office/drawing/2010/main" xmlns="" w="9525">
+                <a14:hiddenLine xmlns="" xmlns:a14="http://schemas.microsoft.com/office/drawing/2010/main" w="9525">
                   <a:solidFill>
                     <a:srgbClr val="000000"/>
                   </a:solidFill>
@@ -3433,7 +3434,7 @@
             </a:ln>
             <a:extLst>
               <a:ext uri="{91240B29-F687-4f45-9708-019B960494DF}">
-                <a14:hiddenLine xmlns:a14="http://schemas.microsoft.com/office/drawing/2010/main" xmlns="" w="9525">
+                <a14:hiddenLine xmlns="" xmlns:a14="http://schemas.microsoft.com/office/drawing/2010/main" w="9525">
                   <a:solidFill>
                     <a:srgbClr val="000000"/>
                   </a:solidFill>
@@ -3523,7 +3524,7 @@
             </a:ln>
             <a:extLst>
               <a:ext uri="{91240B29-F687-4f45-9708-019B960494DF}">
-                <a14:hiddenLine xmlns:a14="http://schemas.microsoft.com/office/drawing/2010/main" xmlns="" w="9525">
+                <a14:hiddenLine xmlns="" xmlns:a14="http://schemas.microsoft.com/office/drawing/2010/main" w="9525">
                   <a:solidFill>
                     <a:srgbClr val="000000"/>
                   </a:solidFill>
@@ -3613,7 +3614,7 @@
             </a:ln>
             <a:extLst>
               <a:ext uri="{91240B29-F687-4f45-9708-019B960494DF}">
-                <a14:hiddenLine xmlns:a14="http://schemas.microsoft.com/office/drawing/2010/main" xmlns="" w="9525">
+                <a14:hiddenLine xmlns="" xmlns:a14="http://schemas.microsoft.com/office/drawing/2010/main" w="9525">
                   <a:solidFill>
                     <a:srgbClr val="000000"/>
                   </a:solidFill>
@@ -3678,7 +3679,7 @@
             </a:ln>
             <a:extLst>
               <a:ext uri="{91240B29-F687-4f45-9708-019B960494DF}">
-                <a14:hiddenLine xmlns:a14="http://schemas.microsoft.com/office/drawing/2010/main" xmlns="" w="9525">
+                <a14:hiddenLine xmlns="" xmlns:a14="http://schemas.microsoft.com/office/drawing/2010/main" w="9525">
                   <a:solidFill>
                     <a:srgbClr val="000000"/>
                   </a:solidFill>
@@ -3740,7 +3741,7 @@
             </a:ln>
             <a:extLst>
               <a:ext uri="{91240B29-F687-4f45-9708-019B960494DF}">
-                <a14:hiddenLine xmlns:a14="http://schemas.microsoft.com/office/drawing/2010/main" xmlns="" w="9525">
+                <a14:hiddenLine xmlns="" xmlns:a14="http://schemas.microsoft.com/office/drawing/2010/main" w="9525">
                   <a:solidFill>
                     <a:srgbClr val="000000"/>
                   </a:solidFill>
@@ -3830,7 +3831,7 @@
             </a:ln>
             <a:extLst>
               <a:ext uri="{91240B29-F687-4f45-9708-019B960494DF}">
-                <a14:hiddenLine xmlns:a14="http://schemas.microsoft.com/office/drawing/2010/main" xmlns="" w="9525">
+                <a14:hiddenLine xmlns="" xmlns:a14="http://schemas.microsoft.com/office/drawing/2010/main" w="9525">
                   <a:solidFill>
                     <a:srgbClr val="000000"/>
                   </a:solidFill>
@@ -3920,7 +3921,7 @@
             </a:ln>
             <a:extLst>
               <a:ext uri="{91240B29-F687-4f45-9708-019B960494DF}">
-                <a14:hiddenLine xmlns:a14="http://schemas.microsoft.com/office/drawing/2010/main" xmlns="" w="9525">
+                <a14:hiddenLine xmlns="" xmlns:a14="http://schemas.microsoft.com/office/drawing/2010/main" w="9525">
                   <a:solidFill>
                     <a:srgbClr val="000000"/>
                   </a:solidFill>
@@ -3982,7 +3983,7 @@
             </a:ln>
             <a:extLst>
               <a:ext uri="{91240B29-F687-4f45-9708-019B960494DF}">
-                <a14:hiddenLine xmlns:a14="http://schemas.microsoft.com/office/drawing/2010/main" xmlns="" w="9525">
+                <a14:hiddenLine xmlns="" xmlns:a14="http://schemas.microsoft.com/office/drawing/2010/main" w="9525">
                   <a:solidFill>
                     <a:srgbClr val="000000"/>
                   </a:solidFill>
@@ -4102,7 +4103,7 @@
             </a:ln>
             <a:extLst>
               <a:ext uri="{91240B29-F687-4f45-9708-019B960494DF}">
-                <a14:hiddenLine xmlns:a14="http://schemas.microsoft.com/office/drawing/2010/main" xmlns="" w="9525">
+                <a14:hiddenLine xmlns="" xmlns:a14="http://schemas.microsoft.com/office/drawing/2010/main" w="9525">
                   <a:solidFill>
                     <a:srgbClr val="000000"/>
                   </a:solidFill>
@@ -4170,7 +4171,7 @@
             </a:ln>
             <a:extLst>
               <a:ext uri="{91240B29-F687-4f45-9708-019B960494DF}">
-                <a14:hiddenLine xmlns:a14="http://schemas.microsoft.com/office/drawing/2010/main" xmlns="" w="9525">
+                <a14:hiddenLine xmlns="" xmlns:a14="http://schemas.microsoft.com/office/drawing/2010/main" w="9525">
                   <a:solidFill>
                     <a:srgbClr val="000000"/>
                   </a:solidFill>
@@ -4260,7 +4261,7 @@
             </a:ln>
             <a:extLst>
               <a:ext uri="{91240B29-F687-4f45-9708-019B960494DF}">
-                <a14:hiddenLine xmlns:a14="http://schemas.microsoft.com/office/drawing/2010/main" xmlns="" w="9525">
+                <a14:hiddenLine xmlns="" xmlns:a14="http://schemas.microsoft.com/office/drawing/2010/main" w="9525">
                   <a:solidFill>
                     <a:srgbClr val="000000"/>
                   </a:solidFill>
@@ -4400,7 +4401,7 @@
           <a:p>
             <a:fld id="{48A87A34-81AB-432B-8DAE-1953F412C126}" type="datetimeFigureOut">
               <a:rPr lang="en-US"/>
-              <a:t>1/5/2021</a:t>
+              <a:t>1/12/2021</a:t>
             </a:fld>
             <a:endParaRPr lang="en-US"/>
           </a:p>
@@ -4662,7 +4663,7 @@
           <a:p>
             <a:fld id="{48A87A34-81AB-432B-8DAE-1953F412C126}" type="datetimeFigureOut">
               <a:rPr lang="en-US"/>
-              <a:t>1/5/2021</a:t>
+              <a:t>1/12/2021</a:t>
             </a:fld>
             <a:endParaRPr lang="en-US"/>
           </a:p>
@@ -4853,7 +4854,7 @@
           <a:p>
             <a:fld id="{48A87A34-81AB-432B-8DAE-1953F412C126}" type="datetimeFigureOut">
               <a:rPr lang="en-US"/>
-              <a:t>1/5/2021</a:t>
+              <a:t>1/12/2021</a:t>
             </a:fld>
             <a:endParaRPr lang="en-US"/>
           </a:p>
@@ -5111,7 +5112,7 @@
           <a:p>
             <a:fld id="{48A87A34-81AB-432B-8DAE-1953F412C126}" type="datetimeFigureOut">
               <a:rPr lang="en-US"/>
-              <a:t>1/5/2021</a:t>
+              <a:t>1/12/2021</a:t>
             </a:fld>
             <a:endParaRPr lang="en-US"/>
           </a:p>
@@ -5540,7 +5541,7 @@
           <a:p>
             <a:fld id="{48A87A34-81AB-432B-8DAE-1953F412C126}" type="datetimeFigureOut">
               <a:rPr lang="en-US"/>
-              <a:t>1/5/2021</a:t>
+              <a:t>1/12/2021</a:t>
             </a:fld>
             <a:endParaRPr lang="en-US"/>
           </a:p>
@@ -6081,7 +6082,7 @@
           <a:p>
             <a:fld id="{48A87A34-81AB-432B-8DAE-1953F412C126}" type="datetimeFigureOut">
               <a:rPr lang="en-US"/>
-              <a:t>1/5/2021</a:t>
+              <a:t>1/12/2021</a:t>
             </a:fld>
             <a:endParaRPr lang="en-US"/>
           </a:p>
@@ -6796,7 +6797,7 @@
           <a:p>
             <a:fld id="{48A87A34-81AB-432B-8DAE-1953F412C126}" type="datetimeFigureOut">
               <a:rPr lang="en-US"/>
-              <a:t>1/5/2021</a:t>
+              <a:t>1/12/2021</a:t>
             </a:fld>
             <a:endParaRPr lang="en-US"/>
           </a:p>
@@ -6961,7 +6962,7 @@
           <a:p>
             <a:fld id="{48A87A34-81AB-432B-8DAE-1953F412C126}" type="datetimeFigureOut">
               <a:rPr lang="en-US"/>
-              <a:t>1/5/2021</a:t>
+              <a:t>1/12/2021</a:t>
             </a:fld>
             <a:endParaRPr lang="en-US"/>
           </a:p>
@@ -7136,7 +7137,7 @@
           <a:p>
             <a:fld id="{48A87A34-81AB-432B-8DAE-1953F412C126}" type="datetimeFigureOut">
               <a:rPr lang="en-US"/>
-              <a:t>1/5/2021</a:t>
+              <a:t>1/12/2021</a:t>
             </a:fld>
             <a:endParaRPr lang="en-US"/>
           </a:p>
@@ -7301,7 +7302,7 @@
           <a:p>
             <a:fld id="{48A87A34-81AB-432B-8DAE-1953F412C126}" type="datetimeFigureOut">
               <a:rPr lang="en-US"/>
-              <a:t>1/5/2021</a:t>
+              <a:t>1/12/2021</a:t>
             </a:fld>
             <a:endParaRPr lang="en-US"/>
           </a:p>
@@ -7546,7 +7547,7 @@
           <a:p>
             <a:fld id="{48A87A34-81AB-432B-8DAE-1953F412C126}" type="datetimeFigureOut">
               <a:rPr lang="en-US"/>
-              <a:t>1/5/2021</a:t>
+              <a:t>1/12/2021</a:t>
             </a:fld>
             <a:endParaRPr lang="en-US"/>
           </a:p>
@@ -7773,7 +7774,7 @@
           <a:p>
             <a:fld id="{48A87A34-81AB-432B-8DAE-1953F412C126}" type="datetimeFigureOut">
               <a:rPr lang="en-US"/>
-              <a:t>1/5/2021</a:t>
+              <a:t>1/12/2021</a:t>
             </a:fld>
             <a:endParaRPr lang="en-US"/>
           </a:p>
@@ -8149,7 +8150,7 @@
           <a:p>
             <a:fld id="{48A87A34-81AB-432B-8DAE-1953F412C126}" type="datetimeFigureOut">
               <a:rPr lang="en-US"/>
-              <a:t>1/5/2021</a:t>
+              <a:t>1/12/2021</a:t>
             </a:fld>
             <a:endParaRPr lang="en-US"/>
           </a:p>
@@ -8262,7 +8263,7 @@
           <a:p>
             <a:fld id="{48A87A34-81AB-432B-8DAE-1953F412C126}" type="datetimeFigureOut">
               <a:rPr lang="en-US"/>
-              <a:t>1/5/2021</a:t>
+              <a:t>1/12/2021</a:t>
             </a:fld>
             <a:endParaRPr lang="en-US"/>
           </a:p>
@@ -8352,7 +8353,7 @@
           <a:p>
             <a:fld id="{48A87A34-81AB-432B-8DAE-1953F412C126}" type="datetimeFigureOut">
               <a:rPr lang="en-US"/>
-              <a:t>1/5/2021</a:t>
+              <a:t>1/12/2021</a:t>
             </a:fld>
             <a:endParaRPr lang="en-US"/>
           </a:p>
@@ -8596,7 +8597,7 @@
           <a:p>
             <a:fld id="{48A87A34-81AB-432B-8DAE-1953F412C126}" type="datetimeFigureOut">
               <a:rPr lang="en-US"/>
-              <a:t>1/5/2021</a:t>
+              <a:t>1/12/2021</a:t>
             </a:fld>
             <a:endParaRPr lang="en-US"/>
           </a:p>
@@ -8871,7 +8872,7 @@
           <a:p>
             <a:fld id="{48A87A34-81AB-432B-8DAE-1953F412C126}" type="datetimeFigureOut">
               <a:rPr lang="en-US"/>
-              <a:t>1/5/2021</a:t>
+              <a:t>1/12/2021</a:t>
             </a:fld>
             <a:endParaRPr lang="en-US"/>
           </a:p>
@@ -8982,7 +8983,7 @@
           <a:noFill/>
           <a:extLst>
             <a:ext uri="{909E8E84-426E-40dd-AFC4-6F175D3DCCD1}">
-              <a14:hiddenFill xmlns:a14="http://schemas.microsoft.com/office/drawing/2010/main" xmlns="">
+              <a14:hiddenFill xmlns="" xmlns:a14="http://schemas.microsoft.com/office/drawing/2010/main">
                 <a:solidFill>
                   <a:srgbClr val="FFFFFF"/>
                 </a:solidFill>
@@ -9056,7 +9057,7 @@
               </a:ln>
               <a:extLst>
                 <a:ext uri="{91240B29-F687-4f45-9708-019B960494DF}">
-                  <a14:hiddenLine xmlns:a14="http://schemas.microsoft.com/office/drawing/2010/main" xmlns="" w="9525">
+                  <a14:hiddenLine xmlns="" xmlns:a14="http://schemas.microsoft.com/office/drawing/2010/main" w="9525">
                     <a:solidFill>
                       <a:srgbClr val="000000"/>
                     </a:solidFill>
@@ -9146,7 +9147,7 @@
               </a:ln>
               <a:extLst>
                 <a:ext uri="{91240B29-F687-4f45-9708-019B960494DF}">
-                  <a14:hiddenLine xmlns:a14="http://schemas.microsoft.com/office/drawing/2010/main" xmlns="" w="9525">
+                  <a14:hiddenLine xmlns="" xmlns:a14="http://schemas.microsoft.com/office/drawing/2010/main" w="9525">
                     <a:solidFill>
                       <a:srgbClr val="000000"/>
                     </a:solidFill>
@@ -9236,7 +9237,7 @@
               </a:ln>
               <a:extLst>
                 <a:ext uri="{91240B29-F687-4f45-9708-019B960494DF}">
-                  <a14:hiddenLine xmlns:a14="http://schemas.microsoft.com/office/drawing/2010/main" xmlns="" w="9525">
+                  <a14:hiddenLine xmlns="" xmlns:a14="http://schemas.microsoft.com/office/drawing/2010/main" w="9525">
                     <a:solidFill>
                       <a:srgbClr val="000000"/>
                     </a:solidFill>
@@ -9298,7 +9299,7 @@
               </a:ln>
               <a:extLst>
                 <a:ext uri="{91240B29-F687-4f45-9708-019B960494DF}">
-                  <a14:hiddenLine xmlns:a14="http://schemas.microsoft.com/office/drawing/2010/main" xmlns="" w="9525">
+                  <a14:hiddenLine xmlns="" xmlns:a14="http://schemas.microsoft.com/office/drawing/2010/main" w="9525">
                     <a:solidFill>
                       <a:srgbClr val="000000"/>
                     </a:solidFill>
@@ -9388,7 +9389,7 @@
               </a:ln>
               <a:extLst>
                 <a:ext uri="{91240B29-F687-4f45-9708-019B960494DF}">
-                  <a14:hiddenLine xmlns:a14="http://schemas.microsoft.com/office/drawing/2010/main" xmlns="" w="9525">
+                  <a14:hiddenLine xmlns="" xmlns:a14="http://schemas.microsoft.com/office/drawing/2010/main" w="9525">
                     <a:solidFill>
                       <a:srgbClr val="000000"/>
                     </a:solidFill>
@@ -9450,7 +9451,7 @@
               </a:ln>
               <a:extLst>
                 <a:ext uri="{91240B29-F687-4f45-9708-019B960494DF}">
-                  <a14:hiddenLine xmlns:a14="http://schemas.microsoft.com/office/drawing/2010/main" xmlns="" w="9525">
+                  <a14:hiddenLine xmlns="" xmlns:a14="http://schemas.microsoft.com/office/drawing/2010/main" w="9525">
                     <a:solidFill>
                       <a:srgbClr val="000000"/>
                     </a:solidFill>
@@ -9512,7 +9513,7 @@
               </a:ln>
               <a:extLst>
                 <a:ext uri="{91240B29-F687-4f45-9708-019B960494DF}">
-                  <a14:hiddenLine xmlns:a14="http://schemas.microsoft.com/office/drawing/2010/main" xmlns="" w="9525">
+                  <a14:hiddenLine xmlns="" xmlns:a14="http://schemas.microsoft.com/office/drawing/2010/main" w="9525">
                     <a:solidFill>
                       <a:srgbClr val="000000"/>
                     </a:solidFill>
@@ -9602,7 +9603,7 @@
               </a:ln>
               <a:extLst>
                 <a:ext uri="{91240B29-F687-4f45-9708-019B960494DF}">
-                  <a14:hiddenLine xmlns:a14="http://schemas.microsoft.com/office/drawing/2010/main" xmlns="" w="9525">
+                  <a14:hiddenLine xmlns="" xmlns:a14="http://schemas.microsoft.com/office/drawing/2010/main" w="9525">
                     <a:solidFill>
                       <a:srgbClr val="000000"/>
                     </a:solidFill>
@@ -9692,7 +9693,7 @@
               </a:ln>
               <a:extLst>
                 <a:ext uri="{91240B29-F687-4f45-9708-019B960494DF}">
-                  <a14:hiddenLine xmlns:a14="http://schemas.microsoft.com/office/drawing/2010/main" xmlns="" w="9525">
+                  <a14:hiddenLine xmlns="" xmlns:a14="http://schemas.microsoft.com/office/drawing/2010/main" w="9525">
                     <a:solidFill>
                       <a:srgbClr val="000000"/>
                     </a:solidFill>
@@ -9754,7 +9755,7 @@
               </a:ln>
               <a:extLst>
                 <a:ext uri="{91240B29-F687-4f45-9708-019B960494DF}">
-                  <a14:hiddenLine xmlns:a14="http://schemas.microsoft.com/office/drawing/2010/main" xmlns="" w="9525">
+                  <a14:hiddenLine xmlns="" xmlns:a14="http://schemas.microsoft.com/office/drawing/2010/main" w="9525">
                     <a:solidFill>
                       <a:srgbClr val="000000"/>
                     </a:solidFill>
@@ -9864,7 +9865,7 @@
               </a:ln>
               <a:extLst>
                 <a:ext uri="{91240B29-F687-4f45-9708-019B960494DF}">
-                  <a14:hiddenLine xmlns:a14="http://schemas.microsoft.com/office/drawing/2010/main" xmlns="" w="9525">
+                  <a14:hiddenLine xmlns="" xmlns:a14="http://schemas.microsoft.com/office/drawing/2010/main" w="9525">
                     <a:solidFill>
                       <a:srgbClr val="000000"/>
                     </a:solidFill>
@@ -9948,7 +9949,7 @@
               </a:ln>
               <a:extLst>
                 <a:ext uri="{91240B29-F687-4f45-9708-019B960494DF}">
-                  <a14:hiddenLine xmlns:a14="http://schemas.microsoft.com/office/drawing/2010/main" xmlns="" w="9525">
+                  <a14:hiddenLine xmlns="" xmlns:a14="http://schemas.microsoft.com/office/drawing/2010/main" w="9525">
                     <a:solidFill>
                       <a:srgbClr val="000000"/>
                     </a:solidFill>
@@ -10010,7 +10011,7 @@
               </a:ln>
               <a:extLst>
                 <a:ext uri="{91240B29-F687-4f45-9708-019B960494DF}">
-                  <a14:hiddenLine xmlns:a14="http://schemas.microsoft.com/office/drawing/2010/main" xmlns="" w="9525">
+                  <a14:hiddenLine xmlns="" xmlns:a14="http://schemas.microsoft.com/office/drawing/2010/main" w="9525">
                     <a:solidFill>
                       <a:srgbClr val="000000"/>
                     </a:solidFill>
@@ -10072,7 +10073,7 @@
               </a:ln>
               <a:extLst>
                 <a:ext uri="{91240B29-F687-4f45-9708-019B960494DF}">
-                  <a14:hiddenLine xmlns:a14="http://schemas.microsoft.com/office/drawing/2010/main" xmlns="" w="9525">
+                  <a14:hiddenLine xmlns="" xmlns:a14="http://schemas.microsoft.com/office/drawing/2010/main" w="9525">
                     <a:solidFill>
                       <a:srgbClr val="000000"/>
                     </a:solidFill>
@@ -10162,7 +10163,7 @@
               </a:ln>
               <a:extLst>
                 <a:ext uri="{91240B29-F687-4f45-9708-019B960494DF}">
-                  <a14:hiddenLine xmlns:a14="http://schemas.microsoft.com/office/drawing/2010/main" xmlns="" w="9525">
+                  <a14:hiddenLine xmlns="" xmlns:a14="http://schemas.microsoft.com/office/drawing/2010/main" w="9525">
                     <a:solidFill>
                       <a:srgbClr val="000000"/>
                     </a:solidFill>
@@ -10196,7 +10197,7 @@
               </a:ln>
               <a:extLst>
                 <a:ext uri="{91240B29-F687-4f45-9708-019B960494DF}">
-                  <a14:hiddenLine xmlns:a14="http://schemas.microsoft.com/office/drawing/2010/main" xmlns="" w="9525">
+                  <a14:hiddenLine xmlns="" xmlns:a14="http://schemas.microsoft.com/office/drawing/2010/main" w="9525">
                     <a:solidFill>
                       <a:srgbClr val="000000"/>
                     </a:solidFill>
@@ -10261,7 +10262,7 @@
               </a:ln>
               <a:extLst>
                 <a:ext uri="{91240B29-F687-4f45-9708-019B960494DF}">
-                  <a14:hiddenLine xmlns:a14="http://schemas.microsoft.com/office/drawing/2010/main" xmlns="" w="9525">
+                  <a14:hiddenLine xmlns="" xmlns:a14="http://schemas.microsoft.com/office/drawing/2010/main" w="9525">
                     <a:solidFill>
                       <a:srgbClr val="000000"/>
                     </a:solidFill>
@@ -10351,7 +10352,7 @@
               </a:ln>
               <a:extLst>
                 <a:ext uri="{91240B29-F687-4f45-9708-019B960494DF}">
-                  <a14:hiddenLine xmlns:a14="http://schemas.microsoft.com/office/drawing/2010/main" xmlns="" w="9525">
+                  <a14:hiddenLine xmlns="" xmlns:a14="http://schemas.microsoft.com/office/drawing/2010/main" w="9525">
                     <a:solidFill>
                       <a:srgbClr val="000000"/>
                     </a:solidFill>
@@ -10413,7 +10414,7 @@
               </a:ln>
               <a:extLst>
                 <a:ext uri="{91240B29-F687-4f45-9708-019B960494DF}">
-                  <a14:hiddenLine xmlns:a14="http://schemas.microsoft.com/office/drawing/2010/main" xmlns="" w="9525">
+                  <a14:hiddenLine xmlns="" xmlns:a14="http://schemas.microsoft.com/office/drawing/2010/main" w="9525">
                     <a:solidFill>
                       <a:srgbClr val="000000"/>
                     </a:solidFill>
@@ -10503,7 +10504,7 @@
               </a:ln>
               <a:extLst>
                 <a:ext uri="{91240B29-F687-4f45-9708-019B960494DF}">
-                  <a14:hiddenLine xmlns:a14="http://schemas.microsoft.com/office/drawing/2010/main" xmlns="" w="9525">
+                  <a14:hiddenLine xmlns="" xmlns:a14="http://schemas.microsoft.com/office/drawing/2010/main" w="9525">
                     <a:solidFill>
                       <a:srgbClr val="000000"/>
                     </a:solidFill>
@@ -10568,7 +10569,7 @@
               </a:ln>
               <a:extLst>
                 <a:ext uri="{91240B29-F687-4f45-9708-019B960494DF}">
-                  <a14:hiddenLine xmlns:a14="http://schemas.microsoft.com/office/drawing/2010/main" xmlns="" w="9525">
+                  <a14:hiddenLine xmlns="" xmlns:a14="http://schemas.microsoft.com/office/drawing/2010/main" w="9525">
                     <a:solidFill>
                       <a:srgbClr val="000000"/>
                     </a:solidFill>
@@ -10630,7 +10631,7 @@
               </a:ln>
               <a:extLst>
                 <a:ext uri="{91240B29-F687-4f45-9708-019B960494DF}">
-                  <a14:hiddenLine xmlns:a14="http://schemas.microsoft.com/office/drawing/2010/main" xmlns="" w="9525">
+                  <a14:hiddenLine xmlns="" xmlns:a14="http://schemas.microsoft.com/office/drawing/2010/main" w="9525">
                     <a:solidFill>
                       <a:srgbClr val="000000"/>
                     </a:solidFill>
@@ -10720,7 +10721,7 @@
               </a:ln>
               <a:extLst>
                 <a:ext uri="{91240B29-F687-4f45-9708-019B960494DF}">
-                  <a14:hiddenLine xmlns:a14="http://schemas.microsoft.com/office/drawing/2010/main" xmlns="" w="9525">
+                  <a14:hiddenLine xmlns="" xmlns:a14="http://schemas.microsoft.com/office/drawing/2010/main" w="9525">
                     <a:solidFill>
                       <a:srgbClr val="000000"/>
                     </a:solidFill>
@@ -10810,7 +10811,7 @@
               </a:ln>
               <a:extLst>
                 <a:ext uri="{91240B29-F687-4f45-9708-019B960494DF}">
-                  <a14:hiddenLine xmlns:a14="http://schemas.microsoft.com/office/drawing/2010/main" xmlns="" w="9525">
+                  <a14:hiddenLine xmlns="" xmlns:a14="http://schemas.microsoft.com/office/drawing/2010/main" w="9525">
                     <a:solidFill>
                       <a:srgbClr val="000000"/>
                     </a:solidFill>
@@ -10875,7 +10876,7 @@
               </a:ln>
               <a:extLst>
                 <a:ext uri="{91240B29-F687-4f45-9708-019B960494DF}">
-                  <a14:hiddenLine xmlns:a14="http://schemas.microsoft.com/office/drawing/2010/main" xmlns="" w="9525">
+                  <a14:hiddenLine xmlns="" xmlns:a14="http://schemas.microsoft.com/office/drawing/2010/main" w="9525">
                     <a:solidFill>
                       <a:srgbClr val="000000"/>
                     </a:solidFill>
@@ -10995,7 +10996,7 @@
               </a:ln>
               <a:extLst>
                 <a:ext uri="{91240B29-F687-4f45-9708-019B960494DF}">
-                  <a14:hiddenLine xmlns:a14="http://schemas.microsoft.com/office/drawing/2010/main" xmlns="" w="9525">
+                  <a14:hiddenLine xmlns="" xmlns:a14="http://schemas.microsoft.com/office/drawing/2010/main" w="9525">
                     <a:solidFill>
                       <a:srgbClr val="000000"/>
                     </a:solidFill>
@@ -11093,7 +11094,7 @@
               </a:ln>
               <a:extLst>
                 <a:ext uri="{91240B29-F687-4f45-9708-019B960494DF}">
-                  <a14:hiddenLine xmlns:a14="http://schemas.microsoft.com/office/drawing/2010/main" xmlns="" w="9525">
+                  <a14:hiddenLine xmlns="" xmlns:a14="http://schemas.microsoft.com/office/drawing/2010/main" w="9525">
                     <a:solidFill>
                       <a:srgbClr val="000000"/>
                     </a:solidFill>
@@ -11208,7 +11209,7 @@
               </a:ln>
               <a:extLst>
                 <a:ext uri="{91240B29-F687-4f45-9708-019B960494DF}">
-                  <a14:hiddenLine xmlns:a14="http://schemas.microsoft.com/office/drawing/2010/main" xmlns="" w="9525">
+                  <a14:hiddenLine xmlns="" xmlns:a14="http://schemas.microsoft.com/office/drawing/2010/main" w="9525">
                     <a:solidFill>
                       <a:srgbClr val="000000"/>
                     </a:solidFill>
@@ -11298,7 +11299,7 @@
               </a:ln>
               <a:extLst>
                 <a:ext uri="{91240B29-F687-4f45-9708-019B960494DF}">
-                  <a14:hiddenLine xmlns:a14="http://schemas.microsoft.com/office/drawing/2010/main" xmlns="" w="9525">
+                  <a14:hiddenLine xmlns="" xmlns:a14="http://schemas.microsoft.com/office/drawing/2010/main" w="9525">
                     <a:solidFill>
                       <a:srgbClr val="000000"/>
                     </a:solidFill>
@@ -11363,7 +11364,7 @@
               </a:ln>
               <a:extLst>
                 <a:ext uri="{91240B29-F687-4f45-9708-019B960494DF}">
-                  <a14:hiddenLine xmlns:a14="http://schemas.microsoft.com/office/drawing/2010/main" xmlns="" w="9525">
+                  <a14:hiddenLine xmlns="" xmlns:a14="http://schemas.microsoft.com/office/drawing/2010/main" w="9525">
                     <a:solidFill>
                       <a:srgbClr val="000000"/>
                     </a:solidFill>
@@ -11453,7 +11454,7 @@
               </a:ln>
               <a:extLst>
                 <a:ext uri="{91240B29-F687-4f45-9708-019B960494DF}">
-                  <a14:hiddenLine xmlns:a14="http://schemas.microsoft.com/office/drawing/2010/main" xmlns="" w="9525">
+                  <a14:hiddenLine xmlns="" xmlns:a14="http://schemas.microsoft.com/office/drawing/2010/main" w="9525">
                     <a:solidFill>
                       <a:srgbClr val="000000"/>
                     </a:solidFill>
@@ -11521,7 +11522,7 @@
               </a:ln>
               <a:extLst>
                 <a:ext uri="{91240B29-F687-4f45-9708-019B960494DF}">
-                  <a14:hiddenLine xmlns:a14="http://schemas.microsoft.com/office/drawing/2010/main" xmlns="" w="9525">
+                  <a14:hiddenLine xmlns="" xmlns:a14="http://schemas.microsoft.com/office/drawing/2010/main" w="9525">
                     <a:solidFill>
                       <a:srgbClr val="000000"/>
                     </a:solidFill>
@@ -11611,7 +11612,7 @@
               </a:ln>
               <a:extLst>
                 <a:ext uri="{91240B29-F687-4f45-9708-019B960494DF}">
-                  <a14:hiddenLine xmlns:a14="http://schemas.microsoft.com/office/drawing/2010/main" xmlns="" w="9525">
+                  <a14:hiddenLine xmlns="" xmlns:a14="http://schemas.microsoft.com/office/drawing/2010/main" w="9525">
                     <a:solidFill>
                       <a:srgbClr val="000000"/>
                     </a:solidFill>
@@ -11679,7 +11680,7 @@
               </a:ln>
               <a:extLst>
                 <a:ext uri="{91240B29-F687-4f45-9708-019B960494DF}">
-                  <a14:hiddenLine xmlns:a14="http://schemas.microsoft.com/office/drawing/2010/main" xmlns="" w="9525">
+                  <a14:hiddenLine xmlns="" xmlns:a14="http://schemas.microsoft.com/office/drawing/2010/main" w="9525">
                     <a:solidFill>
                       <a:srgbClr val="000000"/>
                     </a:solidFill>
@@ -11769,7 +11770,7 @@
               </a:ln>
               <a:extLst>
                 <a:ext uri="{91240B29-F687-4f45-9708-019B960494DF}">
-                  <a14:hiddenLine xmlns:a14="http://schemas.microsoft.com/office/drawing/2010/main" xmlns="" w="9525">
+                  <a14:hiddenLine xmlns="" xmlns:a14="http://schemas.microsoft.com/office/drawing/2010/main" w="9525">
                     <a:solidFill>
                       <a:srgbClr val="000000"/>
                     </a:solidFill>
@@ -11803,7 +11804,7 @@
               </a:ln>
               <a:extLst>
                 <a:ext uri="{91240B29-F687-4f45-9708-019B960494DF}">
-                  <a14:hiddenLine xmlns:a14="http://schemas.microsoft.com/office/drawing/2010/main" xmlns="" w="9525">
+                  <a14:hiddenLine xmlns="" xmlns:a14="http://schemas.microsoft.com/office/drawing/2010/main" w="9525">
                     <a:solidFill>
                       <a:srgbClr val="000000"/>
                     </a:solidFill>
@@ -11944,7 +11945,7 @@
             <a:fld id="{48A87A34-81AB-432B-8DAE-1953F412C126}" type="datetimeFigureOut">
               <a:rPr lang="en-US"/>
               <a:pPr/>
-              <a:t>1/5/2021</a:t>
+              <a:t>1/12/2021</a:t>
             </a:fld>
             <a:endParaRPr lang="en-US"/>
           </a:p>
@@ -12633,6 +12634,77 @@
           <a:chExt cx="0" cy="0"/>
         </a:xfrm>
       </p:grpSpPr>
+      <p:sp>
+        <p:nvSpPr>
+          <p:cNvPr id="6" name="文本框 5"/>
+          <p:cNvSpPr txBox="1"/>
+          <p:nvPr/>
+        </p:nvSpPr>
+        <p:spPr>
+          <a:xfrm>
+            <a:off x="1585791" y="2921169"/>
+            <a:ext cx="9020418" cy="1015663"/>
+          </a:xfrm>
+          <a:prstGeom prst="rect">
+            <a:avLst/>
+          </a:prstGeom>
+          <a:noFill/>
+        </p:spPr>
+        <p:txBody>
+          <a:bodyPr wrap="none" rtlCol="0">
+            <a:spAutoFit/>
+          </a:bodyPr>
+          <a:lstStyle/>
+          <a:p>
+            <a:r>
+              <a:rPr lang="en-US" altLang="zh-CN" sz="6000" smtClean="0"/>
+              <a:t>Thanks </a:t>
+            </a:r>
+            <a:r>
+              <a:rPr lang="en-US" altLang="zh-CN" sz="6000"/>
+              <a:t>to Uno Platform</a:t>
+            </a:r>
+            <a:endParaRPr lang="zh-CN" altLang="en-US" sz="6000"/>
+          </a:p>
+        </p:txBody>
+      </p:sp>
+    </p:spTree>
+    <p:extLst>
+      <p:ext uri="{BB962C8B-B14F-4D97-AF65-F5344CB8AC3E}">
+        <p14:creationId xmlns:p14="http://schemas.microsoft.com/office/powerpoint/2010/main" val="2602489997"/>
+      </p:ext>
+    </p:extLst>
+  </p:cSld>
+  <p:clrMapOvr>
+    <a:masterClrMapping/>
+  </p:clrMapOvr>
+  <p:timing>
+    <p:tnLst>
+      <p:par>
+        <p:cTn id="1" dur="indefinite" restart="never" nodeType="tmRoot"/>
+      </p:par>
+    </p:tnLst>
+  </p:timing>
+</p:sld>
+</file>
+
+<file path=ppt/slides/slide13.xml><?xml version="1.0" encoding="utf-8"?>
+<p:sld xmlns:a="http://schemas.openxmlformats.org/drawingml/2006/main" xmlns:r="http://schemas.openxmlformats.org/officeDocument/2006/relationships" xmlns:p="http://schemas.openxmlformats.org/presentationml/2006/main">
+  <p:cSld>
+    <p:spTree>
+      <p:nvGrpSpPr>
+        <p:cNvPr id="1" name=""/>
+        <p:cNvGrpSpPr/>
+        <p:nvPr/>
+      </p:nvGrpSpPr>
+      <p:grpSpPr>
+        <a:xfrm>
+          <a:off x="0" y="0"/>
+          <a:ext cx="0" cy="0"/>
+          <a:chOff x="0" y="0"/>
+          <a:chExt cx="0" cy="0"/>
+        </a:xfrm>
+      </p:grpSpPr>
       <p:pic>
         <p:nvPicPr>
           <p:cNvPr id="2" name="图片 1"/>
@@ -12783,7 +12855,7 @@
 </p:sld>
 </file>
 
-<file path=ppt/slides/slide13.xml><?xml version="1.0" encoding="utf-8"?>
+<file path=ppt/slides/slide14.xml><?xml version="1.0" encoding="utf-8"?>
 <p:sld xmlns:a="http://schemas.openxmlformats.org/drawingml/2006/main" xmlns:r="http://schemas.openxmlformats.org/officeDocument/2006/relationships" xmlns:p="http://schemas.openxmlformats.org/presentationml/2006/main">
   <p:cSld>
     <p:spTree>
